--- a/Logo.pptx
+++ b/Logo.pptx
@@ -6,6 +6,8 @@
   </p:sldMasterIdLst>
   <p:sldIdLst>
     <p:sldId id="256" r:id="rId2"/>
+    <p:sldId id="257" r:id="rId3"/>
+    <p:sldId id="258" r:id="rId4"/>
   </p:sldIdLst>
   <p:sldSz cx="12192000" cy="6858000"/>
   <p:notesSz cx="6858000" cy="9144000"/>
@@ -104,6 +106,11 @@
       </a:defRPr>
     </a:lvl9pPr>
   </p:defaultTextStyle>
+  <p:extLst>
+    <p:ext uri="{EFAFB233-063F-42B5-8137-9DF3F51BA10A}">
+      <p15:sldGuideLst xmlns:p15="http://schemas.microsoft.com/office/powerpoint/2012/main"/>
+    </p:ext>
+  </p:extLst>
 </p:presentation>
 </file>
 
@@ -254,7 +261,7 @@
           <a:p>
             <a:fld id="{40BCAA04-65C4-4525-B231-C6E0629569F5}" type="datetimeFigureOut">
               <a:rPr lang="en-US" smtClean="0"/>
-              <a:t>8/4/2021</a:t>
+              <a:t>12/31/2024</a:t>
             </a:fld>
             <a:endParaRPr lang="en-US"/>
           </a:p>
@@ -452,7 +459,7 @@
           <a:p>
             <a:fld id="{40BCAA04-65C4-4525-B231-C6E0629569F5}" type="datetimeFigureOut">
               <a:rPr lang="en-US" smtClean="0"/>
-              <a:t>8/4/2021</a:t>
+              <a:t>12/31/2024</a:t>
             </a:fld>
             <a:endParaRPr lang="en-US"/>
           </a:p>
@@ -660,7 +667,7 @@
           <a:p>
             <a:fld id="{40BCAA04-65C4-4525-B231-C6E0629569F5}" type="datetimeFigureOut">
               <a:rPr lang="en-US" smtClean="0"/>
-              <a:t>8/4/2021</a:t>
+              <a:t>12/31/2024</a:t>
             </a:fld>
             <a:endParaRPr lang="en-US"/>
           </a:p>
@@ -858,7 +865,7 @@
           <a:p>
             <a:fld id="{40BCAA04-65C4-4525-B231-C6E0629569F5}" type="datetimeFigureOut">
               <a:rPr lang="en-US" smtClean="0"/>
-              <a:t>8/4/2021</a:t>
+              <a:t>12/31/2024</a:t>
             </a:fld>
             <a:endParaRPr lang="en-US"/>
           </a:p>
@@ -1133,7 +1140,7 @@
           <a:p>
             <a:fld id="{40BCAA04-65C4-4525-B231-C6E0629569F5}" type="datetimeFigureOut">
               <a:rPr lang="en-US" smtClean="0"/>
-              <a:t>8/4/2021</a:t>
+              <a:t>12/31/2024</a:t>
             </a:fld>
             <a:endParaRPr lang="en-US"/>
           </a:p>
@@ -1398,7 +1405,7 @@
           <a:p>
             <a:fld id="{40BCAA04-65C4-4525-B231-C6E0629569F5}" type="datetimeFigureOut">
               <a:rPr lang="en-US" smtClean="0"/>
-              <a:t>8/4/2021</a:t>
+              <a:t>12/31/2024</a:t>
             </a:fld>
             <a:endParaRPr lang="en-US"/>
           </a:p>
@@ -1810,7 +1817,7 @@
           <a:p>
             <a:fld id="{40BCAA04-65C4-4525-B231-C6E0629569F5}" type="datetimeFigureOut">
               <a:rPr lang="en-US" smtClean="0"/>
-              <a:t>8/4/2021</a:t>
+              <a:t>12/31/2024</a:t>
             </a:fld>
             <a:endParaRPr lang="en-US"/>
           </a:p>
@@ -1951,7 +1958,7 @@
           <a:p>
             <a:fld id="{40BCAA04-65C4-4525-B231-C6E0629569F5}" type="datetimeFigureOut">
               <a:rPr lang="en-US" smtClean="0"/>
-              <a:t>8/4/2021</a:t>
+              <a:t>12/31/2024</a:t>
             </a:fld>
             <a:endParaRPr lang="en-US"/>
           </a:p>
@@ -2064,7 +2071,7 @@
           <a:p>
             <a:fld id="{40BCAA04-65C4-4525-B231-C6E0629569F5}" type="datetimeFigureOut">
               <a:rPr lang="en-US" smtClean="0"/>
-              <a:t>8/4/2021</a:t>
+              <a:t>12/31/2024</a:t>
             </a:fld>
             <a:endParaRPr lang="en-US"/>
           </a:p>
@@ -2375,7 +2382,7 @@
           <a:p>
             <a:fld id="{40BCAA04-65C4-4525-B231-C6E0629569F5}" type="datetimeFigureOut">
               <a:rPr lang="en-US" smtClean="0"/>
-              <a:t>8/4/2021</a:t>
+              <a:t>12/31/2024</a:t>
             </a:fld>
             <a:endParaRPr lang="en-US"/>
           </a:p>
@@ -2663,7 +2670,7 @@
           <a:p>
             <a:fld id="{40BCAA04-65C4-4525-B231-C6E0629569F5}" type="datetimeFigureOut">
               <a:rPr lang="en-US" smtClean="0"/>
-              <a:t>8/4/2021</a:t>
+              <a:t>12/31/2024</a:t>
             </a:fld>
             <a:endParaRPr lang="en-US"/>
           </a:p>
@@ -2904,7 +2911,7 @@
           <a:p>
             <a:fld id="{40BCAA04-65C4-4525-B231-C6E0629569F5}" type="datetimeFigureOut">
               <a:rPr lang="en-US" smtClean="0"/>
-              <a:t>8/4/2021</a:t>
+              <a:t>12/31/2024</a:t>
             </a:fld>
             <a:endParaRPr lang="en-US"/>
           </a:p>
@@ -4120,6 +4127,1019 @@
 </p:sld>
 </file>
 
+<file path=ppt/slides/slide2.xml><?xml version="1.0" encoding="utf-8"?>
+<p:sld xmlns:a="http://schemas.openxmlformats.org/drawingml/2006/main" xmlns:r="http://schemas.openxmlformats.org/officeDocument/2006/relationships" xmlns:p="http://schemas.openxmlformats.org/presentationml/2006/main">
+  <p:cSld>
+    <p:spTree>
+      <p:nvGrpSpPr>
+        <p:cNvPr id="1" name=""/>
+        <p:cNvGrpSpPr/>
+        <p:nvPr/>
+      </p:nvGrpSpPr>
+      <p:grpSpPr>
+        <a:xfrm>
+          <a:off x="0" y="0"/>
+          <a:ext cx="0" cy="0"/>
+          <a:chOff x="0" y="0"/>
+          <a:chExt cx="0" cy="0"/>
+        </a:xfrm>
+      </p:grpSpPr>
+      <p:grpSp>
+        <p:nvGrpSpPr>
+          <p:cNvPr id="55" name="Group 54">
+            <a:extLst>
+              <a:ext uri="{FF2B5EF4-FFF2-40B4-BE49-F238E27FC236}">
+                <a16:creationId xmlns:a16="http://schemas.microsoft.com/office/drawing/2014/main" id="{7A96A99B-548B-6A6F-E44E-A557D3627AA4}"/>
+              </a:ext>
+            </a:extLst>
+          </p:cNvPr>
+          <p:cNvGrpSpPr/>
+          <p:nvPr/>
+        </p:nvGrpSpPr>
+        <p:grpSpPr>
+          <a:xfrm>
+            <a:off x="6077135" y="518964"/>
+            <a:ext cx="3107095" cy="2743200"/>
+            <a:chOff x="2887985" y="573556"/>
+            <a:chExt cx="3107095" cy="2743200"/>
+          </a:xfrm>
+        </p:grpSpPr>
+        <p:sp>
+          <p:nvSpPr>
+            <p:cNvPr id="54" name="Rectangle: Rounded Corners 53">
+              <a:extLst>
+                <a:ext uri="{FF2B5EF4-FFF2-40B4-BE49-F238E27FC236}">
+                  <a16:creationId xmlns:a16="http://schemas.microsoft.com/office/drawing/2014/main" id="{C7F1D393-28DD-60D3-81B8-0EA390DC4D56}"/>
+                </a:ext>
+              </a:extLst>
+            </p:cNvPr>
+            <p:cNvSpPr/>
+            <p:nvPr/>
+          </p:nvSpPr>
+          <p:spPr>
+            <a:xfrm>
+              <a:off x="2887985" y="573556"/>
+              <a:ext cx="3107095" cy="2743200"/>
+            </a:xfrm>
+            <a:prstGeom prst="roundRect">
+              <a:avLst/>
+            </a:prstGeom>
+            <a:solidFill>
+              <a:srgbClr val="BBBBBB"/>
+            </a:solidFill>
+            <a:ln>
+              <a:noFill/>
+            </a:ln>
+          </p:spPr>
+          <p:style>
+            <a:lnRef idx="2">
+              <a:schemeClr val="accent1">
+                <a:shade val="15000"/>
+              </a:schemeClr>
+            </a:lnRef>
+            <a:fillRef idx="1">
+              <a:schemeClr val="accent1"/>
+            </a:fillRef>
+            <a:effectRef idx="0">
+              <a:schemeClr val="accent1"/>
+            </a:effectRef>
+            <a:fontRef idx="minor">
+              <a:schemeClr val="lt1"/>
+            </a:fontRef>
+          </p:style>
+          <p:txBody>
+            <a:bodyPr rtlCol="0" anchor="ctr"/>
+            <a:lstStyle/>
+            <a:p>
+              <a:pPr algn="ctr"/>
+              <a:endParaRPr lang="en-US"/>
+            </a:p>
+          </p:txBody>
+        </p:sp>
+        <p:pic>
+          <p:nvPicPr>
+            <p:cNvPr id="20" name="Graphic 19" descr="Run with solid fill">
+              <a:extLst>
+                <a:ext uri="{FF2B5EF4-FFF2-40B4-BE49-F238E27FC236}">
+                  <a16:creationId xmlns:a16="http://schemas.microsoft.com/office/drawing/2014/main" id="{3DD81E78-85EC-4C17-4AA8-890F99E9ADAC}"/>
+                </a:ext>
+              </a:extLst>
+            </p:cNvPr>
+            <p:cNvPicPr>
+              <a:picLocks noChangeAspect="1"/>
+            </p:cNvPicPr>
+            <p:nvPr/>
+          </p:nvPicPr>
+          <p:blipFill>
+            <a:blip r:embed="rId2">
+              <a:extLst>
+                <a:ext uri="{96DAC541-7B7A-43D3-8B79-37D633B846F1}">
+                  <asvg:svgBlip xmlns:asvg="http://schemas.microsoft.com/office/drawing/2016/SVG/main" r:embed="rId3"/>
+                </a:ext>
+              </a:extLst>
+            </a:blip>
+            <a:stretch>
+              <a:fillRect/>
+            </a:stretch>
+          </p:blipFill>
+          <p:spPr>
+            <a:xfrm>
+              <a:off x="3357945" y="880831"/>
+              <a:ext cx="2124031" cy="2124031"/>
+            </a:xfrm>
+            <a:prstGeom prst="rect">
+              <a:avLst/>
+            </a:prstGeom>
+          </p:spPr>
+        </p:pic>
+      </p:grpSp>
+      <p:sp>
+        <p:nvSpPr>
+          <p:cNvPr id="48" name="Rectangle: Rounded Corners 47">
+            <a:extLst>
+              <a:ext uri="{FF2B5EF4-FFF2-40B4-BE49-F238E27FC236}">
+                <a16:creationId xmlns:a16="http://schemas.microsoft.com/office/drawing/2014/main" id="{7D7E8355-0616-FCDC-7B0D-6734A11D3BF9}"/>
+              </a:ext>
+            </a:extLst>
+          </p:cNvPr>
+          <p:cNvSpPr/>
+          <p:nvPr/>
+        </p:nvSpPr>
+        <p:spPr>
+          <a:xfrm>
+            <a:off x="6098708" y="3384447"/>
+            <a:ext cx="3107095" cy="2743200"/>
+          </a:xfrm>
+          <a:prstGeom prst="roundRect">
+            <a:avLst/>
+          </a:prstGeom>
+          <a:solidFill>
+            <a:srgbClr val="BBBBBB"/>
+          </a:solidFill>
+          <a:ln>
+            <a:noFill/>
+          </a:ln>
+        </p:spPr>
+        <p:style>
+          <a:lnRef idx="2">
+            <a:schemeClr val="accent1">
+              <a:shade val="15000"/>
+            </a:schemeClr>
+          </a:lnRef>
+          <a:fillRef idx="1">
+            <a:schemeClr val="accent1"/>
+          </a:fillRef>
+          <a:effectRef idx="0">
+            <a:schemeClr val="accent1"/>
+          </a:effectRef>
+          <a:fontRef idx="minor">
+            <a:schemeClr val="lt1"/>
+          </a:fontRef>
+        </p:style>
+        <p:txBody>
+          <a:bodyPr rtlCol="0" anchor="ctr"/>
+          <a:lstStyle/>
+          <a:p>
+            <a:pPr algn="ctr"/>
+            <a:endParaRPr lang="en-US"/>
+          </a:p>
+        </p:txBody>
+      </p:sp>
+      <p:sp>
+        <p:nvSpPr>
+          <p:cNvPr id="47" name="Rectangle: Rounded Corners 46">
+            <a:extLst>
+              <a:ext uri="{FF2B5EF4-FFF2-40B4-BE49-F238E27FC236}">
+                <a16:creationId xmlns:a16="http://schemas.microsoft.com/office/drawing/2014/main" id="{138C1112-9F27-4904-8E5B-A3BB5665FFBF}"/>
+              </a:ext>
+            </a:extLst>
+          </p:cNvPr>
+          <p:cNvSpPr/>
+          <p:nvPr/>
+        </p:nvSpPr>
+        <p:spPr>
+          <a:xfrm>
+            <a:off x="2875296" y="3397259"/>
+            <a:ext cx="3107095" cy="2743200"/>
+          </a:xfrm>
+          <a:prstGeom prst="roundRect">
+            <a:avLst/>
+          </a:prstGeom>
+          <a:solidFill>
+            <a:srgbClr val="BBBBBB"/>
+          </a:solidFill>
+          <a:ln>
+            <a:noFill/>
+          </a:ln>
+        </p:spPr>
+        <p:style>
+          <a:lnRef idx="2">
+            <a:schemeClr val="accent1">
+              <a:shade val="15000"/>
+            </a:schemeClr>
+          </a:lnRef>
+          <a:fillRef idx="1">
+            <a:schemeClr val="accent1"/>
+          </a:fillRef>
+          <a:effectRef idx="0">
+            <a:schemeClr val="accent1"/>
+          </a:effectRef>
+          <a:fontRef idx="minor">
+            <a:schemeClr val="lt1"/>
+          </a:fontRef>
+        </p:style>
+        <p:txBody>
+          <a:bodyPr rtlCol="0" anchor="ctr"/>
+          <a:lstStyle/>
+          <a:p>
+            <a:pPr algn="ctr"/>
+            <a:endParaRPr lang="en-US"/>
+          </a:p>
+        </p:txBody>
+      </p:sp>
+      <p:sp>
+        <p:nvSpPr>
+          <p:cNvPr id="43" name="Rectangle: Rounded Corners 42">
+            <a:extLst>
+              <a:ext uri="{FF2B5EF4-FFF2-40B4-BE49-F238E27FC236}">
+                <a16:creationId xmlns:a16="http://schemas.microsoft.com/office/drawing/2014/main" id="{B1BCB3E5-58F1-2CF4-AEC4-B129499C7CEA}"/>
+              </a:ext>
+            </a:extLst>
+          </p:cNvPr>
+          <p:cNvSpPr/>
+          <p:nvPr/>
+        </p:nvSpPr>
+        <p:spPr>
+          <a:xfrm>
+            <a:off x="2853724" y="528756"/>
+            <a:ext cx="3107095" cy="2743200"/>
+          </a:xfrm>
+          <a:prstGeom prst="roundRect">
+            <a:avLst/>
+          </a:prstGeom>
+          <a:solidFill>
+            <a:srgbClr val="BBBBBB"/>
+          </a:solidFill>
+          <a:ln>
+            <a:noFill/>
+          </a:ln>
+        </p:spPr>
+        <p:style>
+          <a:lnRef idx="2">
+            <a:schemeClr val="accent1">
+              <a:shade val="15000"/>
+            </a:schemeClr>
+          </a:lnRef>
+          <a:fillRef idx="1">
+            <a:schemeClr val="accent1"/>
+          </a:fillRef>
+          <a:effectRef idx="0">
+            <a:schemeClr val="accent1"/>
+          </a:effectRef>
+          <a:fontRef idx="minor">
+            <a:schemeClr val="lt1"/>
+          </a:fontRef>
+        </p:style>
+        <p:txBody>
+          <a:bodyPr rtlCol="0" anchor="ctr"/>
+          <a:lstStyle/>
+          <a:p>
+            <a:pPr algn="ctr"/>
+            <a:endParaRPr lang="en-US"/>
+          </a:p>
+        </p:txBody>
+      </p:sp>
+      <p:grpSp>
+        <p:nvGrpSpPr>
+          <p:cNvPr id="18" name="Group 17">
+            <a:extLst>
+              <a:ext uri="{FF2B5EF4-FFF2-40B4-BE49-F238E27FC236}">
+                <a16:creationId xmlns:a16="http://schemas.microsoft.com/office/drawing/2014/main" id="{556C68D2-3FE3-DD96-1A92-E0587C71AF2F}"/>
+              </a:ext>
+            </a:extLst>
+          </p:cNvPr>
+          <p:cNvGrpSpPr/>
+          <p:nvPr/>
+        </p:nvGrpSpPr>
+        <p:grpSpPr>
+          <a:xfrm rot="5400000">
+            <a:off x="3547192" y="891068"/>
+            <a:ext cx="1720160" cy="2024746"/>
+            <a:chOff x="2926313" y="998864"/>
+            <a:chExt cx="1061019" cy="1248892"/>
+          </a:xfrm>
+        </p:grpSpPr>
+        <p:grpSp>
+          <p:nvGrpSpPr>
+            <p:cNvPr id="17" name="Group 16">
+              <a:extLst>
+                <a:ext uri="{FF2B5EF4-FFF2-40B4-BE49-F238E27FC236}">
+                  <a16:creationId xmlns:a16="http://schemas.microsoft.com/office/drawing/2014/main" id="{603C12DD-51CB-F027-D3D8-D774F1E831FE}"/>
+                </a:ext>
+              </a:extLst>
+            </p:cNvPr>
+            <p:cNvGrpSpPr/>
+            <p:nvPr/>
+          </p:nvGrpSpPr>
+          <p:grpSpPr>
+            <a:xfrm>
+              <a:off x="3595935" y="998864"/>
+              <a:ext cx="391397" cy="326572"/>
+              <a:chOff x="3793383" y="1017036"/>
+              <a:chExt cx="391397" cy="326572"/>
+            </a:xfrm>
+          </p:grpSpPr>
+          <p:sp>
+            <p:nvSpPr>
+              <p:cNvPr id="6" name="Rectangle 5">
+                <a:extLst>
+                  <a:ext uri="{FF2B5EF4-FFF2-40B4-BE49-F238E27FC236}">
+                    <a16:creationId xmlns:a16="http://schemas.microsoft.com/office/drawing/2014/main" id="{8EEC6F9E-7731-B1D6-A302-F7D4BA997C05}"/>
+                  </a:ext>
+                </a:extLst>
+              </p:cNvPr>
+              <p:cNvSpPr/>
+              <p:nvPr/>
+            </p:nvSpPr>
+            <p:spPr>
+              <a:xfrm rot="18900000">
+                <a:off x="3793383" y="1262316"/>
+                <a:ext cx="250947" cy="45952"/>
+              </a:xfrm>
+              <a:prstGeom prst="rect">
+                <a:avLst/>
+              </a:prstGeom>
+              <a:solidFill>
+                <a:schemeClr val="bg1"/>
+              </a:solidFill>
+              <a:ln>
+                <a:noFill/>
+              </a:ln>
+            </p:spPr>
+            <p:style>
+              <a:lnRef idx="2">
+                <a:schemeClr val="accent1">
+                  <a:shade val="15000"/>
+                </a:schemeClr>
+              </a:lnRef>
+              <a:fillRef idx="1">
+                <a:schemeClr val="accent1"/>
+              </a:fillRef>
+              <a:effectRef idx="0">
+                <a:schemeClr val="accent1"/>
+              </a:effectRef>
+              <a:fontRef idx="minor">
+                <a:schemeClr val="lt1"/>
+              </a:fontRef>
+            </p:style>
+            <p:txBody>
+              <a:bodyPr rtlCol="0" anchor="ctr"/>
+              <a:lstStyle/>
+              <a:p>
+                <a:pPr algn="ctr"/>
+                <a:endParaRPr lang="en-US"/>
+              </a:p>
+            </p:txBody>
+          </p:sp>
+          <p:sp>
+            <p:nvSpPr>
+              <p:cNvPr id="5" name="Cross 4">
+                <a:extLst>
+                  <a:ext uri="{FF2B5EF4-FFF2-40B4-BE49-F238E27FC236}">
+                    <a16:creationId xmlns:a16="http://schemas.microsoft.com/office/drawing/2014/main" id="{E28515D0-2185-A87E-3FE0-E51978F9FDC5}"/>
+                  </a:ext>
+                </a:extLst>
+              </p:cNvPr>
+              <p:cNvSpPr/>
+              <p:nvPr/>
+            </p:nvSpPr>
+            <p:spPr>
+              <a:xfrm>
+                <a:off x="3858208" y="1017036"/>
+                <a:ext cx="326572" cy="326572"/>
+              </a:xfrm>
+              <a:prstGeom prst="plus">
+                <a:avLst>
+                  <a:gd name="adj" fmla="val 42143"/>
+                </a:avLst>
+              </a:prstGeom>
+              <a:solidFill>
+                <a:srgbClr val="BF9000"/>
+              </a:solidFill>
+              <a:ln>
+                <a:noFill/>
+              </a:ln>
+            </p:spPr>
+            <p:style>
+              <a:lnRef idx="2">
+                <a:schemeClr val="accent1">
+                  <a:shade val="15000"/>
+                </a:schemeClr>
+              </a:lnRef>
+              <a:fillRef idx="1">
+                <a:schemeClr val="accent1"/>
+              </a:fillRef>
+              <a:effectRef idx="0">
+                <a:schemeClr val="accent1"/>
+              </a:effectRef>
+              <a:fontRef idx="minor">
+                <a:schemeClr val="lt1"/>
+              </a:fontRef>
+            </p:style>
+            <p:txBody>
+              <a:bodyPr rtlCol="0" anchor="ctr"/>
+              <a:lstStyle/>
+              <a:p>
+                <a:pPr algn="ctr"/>
+                <a:endParaRPr lang="en-US"/>
+              </a:p>
+            </p:txBody>
+          </p:sp>
+        </p:grpSp>
+        <p:grpSp>
+          <p:nvGrpSpPr>
+            <p:cNvPr id="10" name="Group 9">
+              <a:extLst>
+                <a:ext uri="{FF2B5EF4-FFF2-40B4-BE49-F238E27FC236}">
+                  <a16:creationId xmlns:a16="http://schemas.microsoft.com/office/drawing/2014/main" id="{595C3155-4CC5-EB8D-A85E-BA06E718A604}"/>
+                </a:ext>
+              </a:extLst>
+            </p:cNvPr>
+            <p:cNvGrpSpPr/>
+            <p:nvPr/>
+          </p:nvGrpSpPr>
+          <p:grpSpPr>
+            <a:xfrm rot="5400000">
+              <a:off x="3618187" y="1875697"/>
+              <a:ext cx="391397" cy="326572"/>
+              <a:chOff x="3245212" y="1884783"/>
+              <a:chExt cx="391397" cy="326572"/>
+            </a:xfrm>
+          </p:grpSpPr>
+          <p:sp>
+            <p:nvSpPr>
+              <p:cNvPr id="8" name="Rectangle 7">
+                <a:extLst>
+                  <a:ext uri="{FF2B5EF4-FFF2-40B4-BE49-F238E27FC236}">
+                    <a16:creationId xmlns:a16="http://schemas.microsoft.com/office/drawing/2014/main" id="{0AE9C5F5-DA65-DA73-0815-A0741DC5B8C7}"/>
+                  </a:ext>
+                </a:extLst>
+              </p:cNvPr>
+              <p:cNvSpPr/>
+              <p:nvPr/>
+            </p:nvSpPr>
+            <p:spPr>
+              <a:xfrm rot="8100000">
+                <a:off x="3245212" y="2130063"/>
+                <a:ext cx="250947" cy="45952"/>
+              </a:xfrm>
+              <a:prstGeom prst="rect">
+                <a:avLst/>
+              </a:prstGeom>
+              <a:solidFill>
+                <a:schemeClr val="bg1"/>
+              </a:solidFill>
+              <a:ln>
+                <a:noFill/>
+              </a:ln>
+            </p:spPr>
+            <p:style>
+              <a:lnRef idx="2">
+                <a:schemeClr val="accent1">
+                  <a:shade val="15000"/>
+                </a:schemeClr>
+              </a:lnRef>
+              <a:fillRef idx="1">
+                <a:schemeClr val="accent1"/>
+              </a:fillRef>
+              <a:effectRef idx="0">
+                <a:schemeClr val="accent1"/>
+              </a:effectRef>
+              <a:fontRef idx="minor">
+                <a:schemeClr val="lt1"/>
+              </a:fontRef>
+            </p:style>
+            <p:txBody>
+              <a:bodyPr rtlCol="0" anchor="ctr"/>
+              <a:lstStyle/>
+              <a:p>
+                <a:pPr algn="ctr"/>
+                <a:endParaRPr lang="en-US"/>
+              </a:p>
+            </p:txBody>
+          </p:sp>
+          <p:sp>
+            <p:nvSpPr>
+              <p:cNvPr id="9" name="Cross 8">
+                <a:extLst>
+                  <a:ext uri="{FF2B5EF4-FFF2-40B4-BE49-F238E27FC236}">
+                    <a16:creationId xmlns:a16="http://schemas.microsoft.com/office/drawing/2014/main" id="{0FC3A218-8268-1FBA-C038-496A331047F0}"/>
+                  </a:ext>
+                </a:extLst>
+              </p:cNvPr>
+              <p:cNvSpPr/>
+              <p:nvPr/>
+            </p:nvSpPr>
+            <p:spPr>
+              <a:xfrm rot="10800000">
+                <a:off x="3310037" y="1884783"/>
+                <a:ext cx="326572" cy="326572"/>
+              </a:xfrm>
+              <a:prstGeom prst="plus">
+                <a:avLst>
+                  <a:gd name="adj" fmla="val 42143"/>
+                </a:avLst>
+              </a:prstGeom>
+              <a:solidFill>
+                <a:srgbClr val="BF9000"/>
+              </a:solidFill>
+              <a:ln>
+                <a:noFill/>
+              </a:ln>
+            </p:spPr>
+            <p:style>
+              <a:lnRef idx="2">
+                <a:schemeClr val="accent1">
+                  <a:shade val="15000"/>
+                </a:schemeClr>
+              </a:lnRef>
+              <a:fillRef idx="1">
+                <a:schemeClr val="accent1"/>
+              </a:fillRef>
+              <a:effectRef idx="0">
+                <a:schemeClr val="accent1"/>
+              </a:effectRef>
+              <a:fontRef idx="minor">
+                <a:schemeClr val="lt1"/>
+              </a:fontRef>
+            </p:style>
+            <p:txBody>
+              <a:bodyPr rtlCol="0" anchor="ctr"/>
+              <a:lstStyle/>
+              <a:p>
+                <a:pPr algn="ctr"/>
+                <a:endParaRPr lang="en-US"/>
+              </a:p>
+            </p:txBody>
+          </p:sp>
+        </p:grpSp>
+        <p:grpSp>
+          <p:nvGrpSpPr>
+            <p:cNvPr id="11" name="Group 10">
+              <a:extLst>
+                <a:ext uri="{FF2B5EF4-FFF2-40B4-BE49-F238E27FC236}">
+                  <a16:creationId xmlns:a16="http://schemas.microsoft.com/office/drawing/2014/main" id="{8A659F41-9B02-8E7E-83C0-052BC81EE2E0}"/>
+                </a:ext>
+              </a:extLst>
+            </p:cNvPr>
+            <p:cNvGrpSpPr/>
+            <p:nvPr/>
+          </p:nvGrpSpPr>
+          <p:grpSpPr>
+            <a:xfrm rot="10800000">
+              <a:off x="2926313" y="1921184"/>
+              <a:ext cx="391397" cy="326572"/>
+              <a:chOff x="3245212" y="1884783"/>
+              <a:chExt cx="391397" cy="326572"/>
+            </a:xfrm>
+          </p:grpSpPr>
+          <p:sp>
+            <p:nvSpPr>
+              <p:cNvPr id="12" name="Rectangle 11">
+                <a:extLst>
+                  <a:ext uri="{FF2B5EF4-FFF2-40B4-BE49-F238E27FC236}">
+                    <a16:creationId xmlns:a16="http://schemas.microsoft.com/office/drawing/2014/main" id="{EDA4E875-B658-6DCA-5E3D-701C29209772}"/>
+                  </a:ext>
+                </a:extLst>
+              </p:cNvPr>
+              <p:cNvSpPr/>
+              <p:nvPr/>
+            </p:nvSpPr>
+            <p:spPr>
+              <a:xfrm rot="8100000">
+                <a:off x="3245212" y="2130063"/>
+                <a:ext cx="250947" cy="45952"/>
+              </a:xfrm>
+              <a:prstGeom prst="rect">
+                <a:avLst/>
+              </a:prstGeom>
+              <a:solidFill>
+                <a:schemeClr val="bg1"/>
+              </a:solidFill>
+              <a:ln>
+                <a:noFill/>
+              </a:ln>
+            </p:spPr>
+            <p:style>
+              <a:lnRef idx="2">
+                <a:schemeClr val="accent1">
+                  <a:shade val="15000"/>
+                </a:schemeClr>
+              </a:lnRef>
+              <a:fillRef idx="1">
+                <a:schemeClr val="accent1"/>
+              </a:fillRef>
+              <a:effectRef idx="0">
+                <a:schemeClr val="accent1"/>
+              </a:effectRef>
+              <a:fontRef idx="minor">
+                <a:schemeClr val="lt1"/>
+              </a:fontRef>
+            </p:style>
+            <p:txBody>
+              <a:bodyPr rtlCol="0" anchor="ctr"/>
+              <a:lstStyle/>
+              <a:p>
+                <a:pPr algn="ctr"/>
+                <a:endParaRPr lang="en-US"/>
+              </a:p>
+            </p:txBody>
+          </p:sp>
+          <p:sp>
+            <p:nvSpPr>
+              <p:cNvPr id="13" name="Cross 12">
+                <a:extLst>
+                  <a:ext uri="{FF2B5EF4-FFF2-40B4-BE49-F238E27FC236}">
+                    <a16:creationId xmlns:a16="http://schemas.microsoft.com/office/drawing/2014/main" id="{389AA17E-30E7-B959-7D49-1C2BE0A43595}"/>
+                  </a:ext>
+                </a:extLst>
+              </p:cNvPr>
+              <p:cNvSpPr/>
+              <p:nvPr/>
+            </p:nvSpPr>
+            <p:spPr>
+              <a:xfrm rot="10800000">
+                <a:off x="3310037" y="1884783"/>
+                <a:ext cx="326572" cy="326572"/>
+              </a:xfrm>
+              <a:prstGeom prst="plus">
+                <a:avLst>
+                  <a:gd name="adj" fmla="val 42143"/>
+                </a:avLst>
+              </a:prstGeom>
+              <a:solidFill>
+                <a:srgbClr val="BF9000"/>
+              </a:solidFill>
+              <a:ln>
+                <a:noFill/>
+              </a:ln>
+            </p:spPr>
+            <p:style>
+              <a:lnRef idx="2">
+                <a:schemeClr val="accent1">
+                  <a:shade val="15000"/>
+                </a:schemeClr>
+              </a:lnRef>
+              <a:fillRef idx="1">
+                <a:schemeClr val="accent1"/>
+              </a:fillRef>
+              <a:effectRef idx="0">
+                <a:schemeClr val="accent1"/>
+              </a:effectRef>
+              <a:fontRef idx="minor">
+                <a:schemeClr val="lt1"/>
+              </a:fontRef>
+            </p:style>
+            <p:txBody>
+              <a:bodyPr rtlCol="0" anchor="ctr"/>
+              <a:lstStyle/>
+              <a:p>
+                <a:pPr algn="ctr"/>
+                <a:endParaRPr lang="en-US"/>
+              </a:p>
+            </p:txBody>
+          </p:sp>
+        </p:grpSp>
+        <p:grpSp>
+          <p:nvGrpSpPr>
+            <p:cNvPr id="14" name="Group 13">
+              <a:extLst>
+                <a:ext uri="{FF2B5EF4-FFF2-40B4-BE49-F238E27FC236}">
+                  <a16:creationId xmlns:a16="http://schemas.microsoft.com/office/drawing/2014/main" id="{73715A9F-63A9-7D92-2002-0CE1115DDEE2}"/>
+                </a:ext>
+              </a:extLst>
+            </p:cNvPr>
+            <p:cNvGrpSpPr/>
+            <p:nvPr/>
+          </p:nvGrpSpPr>
+          <p:grpSpPr>
+            <a:xfrm rot="16200000">
+              <a:off x="2893900" y="1031277"/>
+              <a:ext cx="391397" cy="326572"/>
+              <a:chOff x="3245212" y="1884783"/>
+              <a:chExt cx="391397" cy="326572"/>
+            </a:xfrm>
+          </p:grpSpPr>
+          <p:sp>
+            <p:nvSpPr>
+              <p:cNvPr id="15" name="Rectangle 14">
+                <a:extLst>
+                  <a:ext uri="{FF2B5EF4-FFF2-40B4-BE49-F238E27FC236}">
+                    <a16:creationId xmlns:a16="http://schemas.microsoft.com/office/drawing/2014/main" id="{D782B965-1617-1905-14DB-AD84428362E4}"/>
+                  </a:ext>
+                </a:extLst>
+              </p:cNvPr>
+              <p:cNvSpPr/>
+              <p:nvPr/>
+            </p:nvSpPr>
+            <p:spPr>
+              <a:xfrm rot="8100000">
+                <a:off x="3245212" y="2130063"/>
+                <a:ext cx="250947" cy="45952"/>
+              </a:xfrm>
+              <a:prstGeom prst="rect">
+                <a:avLst/>
+              </a:prstGeom>
+              <a:solidFill>
+                <a:schemeClr val="bg1"/>
+              </a:solidFill>
+              <a:ln>
+                <a:noFill/>
+              </a:ln>
+            </p:spPr>
+            <p:style>
+              <a:lnRef idx="2">
+                <a:schemeClr val="accent1">
+                  <a:shade val="15000"/>
+                </a:schemeClr>
+              </a:lnRef>
+              <a:fillRef idx="1">
+                <a:schemeClr val="accent1"/>
+              </a:fillRef>
+              <a:effectRef idx="0">
+                <a:schemeClr val="accent1"/>
+              </a:effectRef>
+              <a:fontRef idx="minor">
+                <a:schemeClr val="lt1"/>
+              </a:fontRef>
+            </p:style>
+            <p:txBody>
+              <a:bodyPr rtlCol="0" anchor="ctr"/>
+              <a:lstStyle/>
+              <a:p>
+                <a:pPr algn="ctr"/>
+                <a:endParaRPr lang="en-US"/>
+              </a:p>
+            </p:txBody>
+          </p:sp>
+          <p:sp>
+            <p:nvSpPr>
+              <p:cNvPr id="16" name="Cross 15">
+                <a:extLst>
+                  <a:ext uri="{FF2B5EF4-FFF2-40B4-BE49-F238E27FC236}">
+                    <a16:creationId xmlns:a16="http://schemas.microsoft.com/office/drawing/2014/main" id="{0F5C308B-CEF7-A1DD-EEB2-F560FA4551C6}"/>
+                  </a:ext>
+                </a:extLst>
+              </p:cNvPr>
+              <p:cNvSpPr/>
+              <p:nvPr/>
+            </p:nvSpPr>
+            <p:spPr>
+              <a:xfrm rot="10800000">
+                <a:off x="3310037" y="1884783"/>
+                <a:ext cx="326572" cy="326572"/>
+              </a:xfrm>
+              <a:prstGeom prst="plus">
+                <a:avLst>
+                  <a:gd name="adj" fmla="val 42143"/>
+                </a:avLst>
+              </a:prstGeom>
+              <a:solidFill>
+                <a:srgbClr val="BF9000"/>
+              </a:solidFill>
+              <a:ln>
+                <a:noFill/>
+              </a:ln>
+            </p:spPr>
+            <p:style>
+              <a:lnRef idx="2">
+                <a:schemeClr val="accent1">
+                  <a:shade val="15000"/>
+                </a:schemeClr>
+              </a:lnRef>
+              <a:fillRef idx="1">
+                <a:schemeClr val="accent1"/>
+              </a:fillRef>
+              <a:effectRef idx="0">
+                <a:schemeClr val="accent1"/>
+              </a:effectRef>
+              <a:fontRef idx="minor">
+                <a:schemeClr val="lt1"/>
+              </a:fontRef>
+            </p:style>
+            <p:txBody>
+              <a:bodyPr rtlCol="0" anchor="ctr"/>
+              <a:lstStyle/>
+              <a:p>
+                <a:pPr algn="ctr"/>
+                <a:endParaRPr lang="en-US"/>
+              </a:p>
+            </p:txBody>
+          </p:sp>
+        </p:grpSp>
+        <p:sp>
+          <p:nvSpPr>
+            <p:cNvPr id="4" name="Rectangle 3">
+              <a:extLst>
+                <a:ext uri="{FF2B5EF4-FFF2-40B4-BE49-F238E27FC236}">
+                  <a16:creationId xmlns:a16="http://schemas.microsoft.com/office/drawing/2014/main" id="{703FC1B0-0832-3895-A43B-167EF1848A11}"/>
+                </a:ext>
+              </a:extLst>
+            </p:cNvPr>
+            <p:cNvSpPr/>
+            <p:nvPr/>
+          </p:nvSpPr>
+          <p:spPr>
+            <a:xfrm>
+              <a:off x="3275045" y="1343608"/>
+              <a:ext cx="359895" cy="559837"/>
+            </a:xfrm>
+            <a:prstGeom prst="rect">
+              <a:avLst/>
+            </a:prstGeom>
+            <a:solidFill>
+              <a:srgbClr val="A6A6A6"/>
+            </a:solidFill>
+            <a:ln>
+              <a:noFill/>
+            </a:ln>
+          </p:spPr>
+          <p:style>
+            <a:lnRef idx="2">
+              <a:schemeClr val="accent1">
+                <a:shade val="15000"/>
+              </a:schemeClr>
+            </a:lnRef>
+            <a:fillRef idx="1">
+              <a:schemeClr val="accent1"/>
+            </a:fillRef>
+            <a:effectRef idx="0">
+              <a:schemeClr val="accent1"/>
+            </a:effectRef>
+            <a:fontRef idx="minor">
+              <a:schemeClr val="lt1"/>
+            </a:fontRef>
+          </p:style>
+          <p:txBody>
+            <a:bodyPr rtlCol="0" anchor="ctr"/>
+            <a:lstStyle/>
+            <a:p>
+              <a:pPr algn="ctr"/>
+              <a:endParaRPr lang="en-US" dirty="0"/>
+            </a:p>
+          </p:txBody>
+        </p:sp>
+      </p:grpSp>
+      <p:pic>
+        <p:nvPicPr>
+          <p:cNvPr id="40" name="Graphic 39" descr="Music notes with solid fill">
+            <a:extLst>
+              <a:ext uri="{FF2B5EF4-FFF2-40B4-BE49-F238E27FC236}">
+                <a16:creationId xmlns:a16="http://schemas.microsoft.com/office/drawing/2014/main" id="{BEA05E42-4FE4-3E2A-7FC2-3A153789A789}"/>
+              </a:ext>
+            </a:extLst>
+          </p:cNvPr>
+          <p:cNvPicPr>
+            <a:picLocks noChangeAspect="1"/>
+          </p:cNvPicPr>
+          <p:nvPr/>
+        </p:nvPicPr>
+        <p:blipFill>
+          <a:blip r:embed="rId4">
+            <a:extLst>
+              <a:ext uri="{96DAC541-7B7A-43D3-8B79-37D633B846F1}">
+                <asvg:svgBlip xmlns:asvg="http://schemas.microsoft.com/office/drawing/2016/SVG/main" r:embed="rId5"/>
+              </a:ext>
+            </a:extLst>
+          </a:blip>
+          <a:stretch>
+            <a:fillRect/>
+          </a:stretch>
+        </p:blipFill>
+        <p:spPr>
+          <a:xfrm>
+            <a:off x="6520919" y="3629014"/>
+            <a:ext cx="2262673" cy="2262673"/>
+          </a:xfrm>
+          <a:prstGeom prst="rect">
+            <a:avLst/>
+          </a:prstGeom>
+        </p:spPr>
+      </p:pic>
+      <p:pic>
+        <p:nvPicPr>
+          <p:cNvPr id="42" name="Graphic 41" descr="Mountains with solid fill">
+            <a:extLst>
+              <a:ext uri="{FF2B5EF4-FFF2-40B4-BE49-F238E27FC236}">
+                <a16:creationId xmlns:a16="http://schemas.microsoft.com/office/drawing/2014/main" id="{1C568434-BF0E-3733-096A-AB2BD8D5B36E}"/>
+              </a:ext>
+            </a:extLst>
+          </p:cNvPr>
+          <p:cNvPicPr>
+            <a:picLocks noChangeAspect="1"/>
+          </p:cNvPicPr>
+          <p:nvPr/>
+        </p:nvPicPr>
+        <p:blipFill>
+          <a:blip r:embed="rId6">
+            <a:extLst>
+              <a:ext uri="{96DAC541-7B7A-43D3-8B79-37D633B846F1}">
+                <asvg:svgBlip xmlns:asvg="http://schemas.microsoft.com/office/drawing/2016/SVG/main" r:embed="rId7"/>
+              </a:ext>
+            </a:extLst>
+          </a:blip>
+          <a:stretch>
+            <a:fillRect/>
+          </a:stretch>
+        </p:blipFill>
+        <p:spPr>
+          <a:xfrm>
+            <a:off x="3167308" y="3520737"/>
+            <a:ext cx="2479225" cy="2479225"/>
+          </a:xfrm>
+          <a:prstGeom prst="rect">
+            <a:avLst/>
+          </a:prstGeom>
+        </p:spPr>
+      </p:pic>
+    </p:spTree>
+    <p:extLst>
+      <p:ext uri="{BB962C8B-B14F-4D97-AF65-F5344CB8AC3E}">
+        <p14:creationId xmlns:p14="http://schemas.microsoft.com/office/powerpoint/2010/main" val="1937812680"/>
+      </p:ext>
+    </p:extLst>
+  </p:cSld>
+  <p:clrMapOvr>
+    <a:masterClrMapping/>
+  </p:clrMapOvr>
+</p:sld>
+</file>
+
+<file path=ppt/slides/slide3.xml><?xml version="1.0" encoding="utf-8"?>
+<p:sld xmlns:a="http://schemas.openxmlformats.org/drawingml/2006/main" xmlns:r="http://schemas.openxmlformats.org/officeDocument/2006/relationships" xmlns:p="http://schemas.openxmlformats.org/presentationml/2006/main">
+  <p:cSld>
+    <p:spTree>
+      <p:nvGrpSpPr>
+        <p:cNvPr id="1" name=""/>
+        <p:cNvGrpSpPr/>
+        <p:nvPr/>
+      </p:nvGrpSpPr>
+      <p:grpSpPr>
+        <a:xfrm>
+          <a:off x="0" y="0"/>
+          <a:ext cx="0" cy="0"/>
+          <a:chOff x="0" y="0"/>
+          <a:chExt cx="0" cy="0"/>
+        </a:xfrm>
+      </p:grpSpPr>
+      <p:pic>
+        <p:nvPicPr>
+          <p:cNvPr id="5" name="Content Placeholder 4" descr="Tools with solid fill">
+            <a:extLst>
+              <a:ext uri="{FF2B5EF4-FFF2-40B4-BE49-F238E27FC236}">
+                <a16:creationId xmlns:a16="http://schemas.microsoft.com/office/drawing/2014/main" id="{8DF483F6-0896-D679-F64B-C4CB8E2989A4}"/>
+              </a:ext>
+            </a:extLst>
+          </p:cNvPr>
+          <p:cNvPicPr>
+            <a:picLocks noGrp="1" noChangeAspect="1"/>
+          </p:cNvPicPr>
+          <p:nvPr>
+            <p:ph idx="1"/>
+          </p:nvPr>
+        </p:nvPicPr>
+        <p:blipFill>
+          <a:blip r:embed="rId2">
+            <a:extLst>
+              <a:ext uri="{96DAC541-7B7A-43D3-8B79-37D633B846F1}">
+                <asvg:svgBlip xmlns:asvg="http://schemas.microsoft.com/office/drawing/2016/SVG/main" r:embed="rId3"/>
+              </a:ext>
+            </a:extLst>
+          </a:blip>
+          <a:stretch>
+            <a:fillRect/>
+          </a:stretch>
+        </p:blipFill>
+        <p:spPr>
+          <a:xfrm>
+            <a:off x="3533775" y="1639094"/>
+            <a:ext cx="4419600" cy="4419600"/>
+          </a:xfrm>
+        </p:spPr>
+      </p:pic>
+    </p:spTree>
+    <p:extLst>
+      <p:ext uri="{BB962C8B-B14F-4D97-AF65-F5344CB8AC3E}">
+        <p14:creationId xmlns:p14="http://schemas.microsoft.com/office/powerpoint/2010/main" val="3512857998"/>
+      </p:ext>
+    </p:extLst>
+  </p:cSld>
+  <p:clrMapOvr>
+    <a:masterClrMapping/>
+  </p:clrMapOvr>
+</p:sld>
+</file>
+
 <file path=ppt/theme/theme1.xml><?xml version="1.0" encoding="utf-8"?>
 <a:theme xmlns:a="http://schemas.openxmlformats.org/drawingml/2006/main" name="Office Theme">
   <a:themeElements>
